--- a/Powerpoint/Module05-CommandsThatUsePipline.pptx
+++ b/Powerpoint/Module05-CommandsThatUsePipline.pptx
@@ -4095,7 +4095,9 @@
         </p:nvSpPr>
         <p:spPr/>
         <p:txBody>
-          <a:bodyPr/>
+          <a:bodyPr>
+            <a:normAutofit/>
+          </a:bodyPr>
           <a:lstStyle/>
           <a:p>
             <a:r>
@@ -4110,45 +4112,64 @@
             </a:r>
           </a:p>
           <a:p>
-            <a:r>
-              <a:rPr lang="en-US" dirty="0"/>
+            <a:pPr lvl="1"/>
+            <a:r>
+              <a:rPr lang="en-US" dirty="0">
+                <a:latin typeface="Consolas" panose="020B0609020204030204" pitchFamily="49" charset="0"/>
+              </a:rPr>
               <a:t>PS C:\&gt; Get-</a:t>
             </a:r>
             <a:r>
-              <a:rPr lang="en-US" dirty="0" err="1"/>
+              <a:rPr lang="en-US" dirty="0" err="1">
+                <a:latin typeface="Consolas" panose="020B0609020204030204" pitchFamily="49" charset="0"/>
+              </a:rPr>
               <a:t>WmiObject</a:t>
             </a:r>
             <a:r>
-              <a:rPr lang="en-US" dirty="0"/>
+              <a:rPr lang="en-US" dirty="0">
+                <a:latin typeface="Consolas" panose="020B0609020204030204" pitchFamily="49" charset="0"/>
+              </a:rPr>
               <a:t> -class Win32_BIOS `</a:t>
             </a:r>
           </a:p>
           <a:p>
-            <a:pPr marL="0" indent="0">
+            <a:pPr marL="274320" lvl="1" indent="0">
               <a:buNone/>
             </a:pPr>
             <a:r>
-              <a:rPr lang="en-US" dirty="0"/>
+              <a:rPr lang="en-US" dirty="0">
+                <a:latin typeface="Consolas" panose="020B0609020204030204" pitchFamily="49" charset="0"/>
+              </a:rPr>
               <a:t> -</a:t>
             </a:r>
             <a:r>
-              <a:rPr lang="en-US" dirty="0" err="1"/>
+              <a:rPr lang="en-US" dirty="0" err="1">
+                <a:latin typeface="Consolas" panose="020B0609020204030204" pitchFamily="49" charset="0"/>
+              </a:rPr>
               <a:t>ComputerName</a:t>
             </a:r>
             <a:r>
-              <a:rPr lang="en-US" dirty="0"/>
+              <a:rPr lang="en-US" dirty="0">
+                <a:latin typeface="Consolas" panose="020B0609020204030204" pitchFamily="49" charset="0"/>
+              </a:rPr>
               <a:t> </a:t>
             </a:r>
             <a:r>
-              <a:rPr lang="en-US" b="1" dirty="0"/>
+              <a:rPr lang="en-US" b="1" dirty="0">
+                <a:latin typeface="Consolas" panose="020B0609020204030204" pitchFamily="49" charset="0"/>
+              </a:rPr>
               <a:t>(Get-Content .\</a:t>
             </a:r>
             <a:r>
-              <a:rPr lang="en-US" b="1" dirty="0" err="1"/>
+              <a:rPr lang="en-US" b="1" dirty="0" err="1">
+                <a:latin typeface="Consolas" panose="020B0609020204030204" pitchFamily="49" charset="0"/>
+              </a:rPr>
               <a:t>computers.txt</a:t>
             </a:r>
             <a:r>
-              <a:rPr lang="en-US" b="1" dirty="0"/>
+              <a:rPr lang="en-US" b="1" dirty="0">
+                <a:latin typeface="Consolas" panose="020B0609020204030204" pitchFamily="49" charset="0"/>
+              </a:rPr>
               <a:t>)</a:t>
             </a:r>
           </a:p>
@@ -4166,81 +4187,125 @@
             <a:endParaRPr lang="en-US" b="1" dirty="0"/>
           </a:p>
           <a:p>
-            <a:r>
-              <a:rPr lang="en-US" dirty="0"/>
+            <a:pPr marL="274320" lvl="1" indent="0">
+              <a:buNone/>
+            </a:pPr>
+            <a:r>
+              <a:rPr lang="en-US" dirty="0">
+                <a:latin typeface="Consolas" panose="020B0609020204030204" pitchFamily="49" charset="0"/>
+              </a:rPr>
               <a:t>Get-Service -</a:t>
             </a:r>
             <a:r>
-              <a:rPr lang="en-US" dirty="0" err="1"/>
+              <a:rPr lang="en-US" dirty="0" err="1">
+                <a:latin typeface="Consolas" panose="020B0609020204030204" pitchFamily="49" charset="0"/>
+              </a:rPr>
               <a:t>computerName</a:t>
             </a:r>
             <a:r>
-              <a:rPr lang="en-US" dirty="0"/>
+              <a:rPr lang="en-US" dirty="0">
+                <a:latin typeface="Consolas" panose="020B0609020204030204" pitchFamily="49" charset="0"/>
+              </a:rPr>
               <a:t> (get-</a:t>
             </a:r>
             <a:r>
-              <a:rPr lang="en-US" dirty="0" err="1"/>
+              <a:rPr lang="en-US" dirty="0" err="1">
+                <a:latin typeface="Consolas" panose="020B0609020204030204" pitchFamily="49" charset="0"/>
+              </a:rPr>
               <a:t>adcomputer</a:t>
             </a:r>
             <a:r>
-              <a:rPr lang="en-US" dirty="0"/>
+              <a:rPr lang="en-US" dirty="0">
+                <a:latin typeface="Consolas" panose="020B0609020204030204" pitchFamily="49" charset="0"/>
+              </a:rPr>
               <a:t> -filter *  `</a:t>
             </a:r>
-          </a:p>
-          <a:p>
-            <a:r>
-              <a:rPr lang="en-US" dirty="0"/>
+            <a:br>
+              <a:rPr lang="en-US" dirty="0">
+                <a:latin typeface="Consolas" panose="020B0609020204030204" pitchFamily="49" charset="0"/>
+              </a:rPr>
+            </a:br>
+            <a:r>
+              <a:rPr lang="en-US" dirty="0">
+                <a:latin typeface="Consolas" panose="020B0609020204030204" pitchFamily="49" charset="0"/>
+              </a:rPr>
               <a:t>-</a:t>
             </a:r>
             <a:r>
-              <a:rPr lang="en-US" dirty="0" err="1"/>
+              <a:rPr lang="en-US" dirty="0" err="1">
+                <a:latin typeface="Consolas" panose="020B0609020204030204" pitchFamily="49" charset="0"/>
+              </a:rPr>
               <a:t>searchbase</a:t>
             </a:r>
             <a:r>
-              <a:rPr lang="en-US" dirty="0"/>
+              <a:rPr lang="en-US" dirty="0">
+                <a:latin typeface="Consolas" panose="020B0609020204030204" pitchFamily="49" charset="0"/>
+              </a:rPr>
               <a:t> "</a:t>
             </a:r>
             <a:r>
-              <a:rPr lang="en-US" dirty="0" err="1"/>
+              <a:rPr lang="en-US" dirty="0" err="1">
+                <a:latin typeface="Consolas" panose="020B0609020204030204" pitchFamily="49" charset="0"/>
+              </a:rPr>
               <a:t>ou</a:t>
             </a:r>
             <a:r>
-              <a:rPr lang="en-US" dirty="0"/>
+              <a:rPr lang="en-US" dirty="0">
+                <a:latin typeface="Consolas" panose="020B0609020204030204" pitchFamily="49" charset="0"/>
+              </a:rPr>
               <a:t>=domain </a:t>
             </a:r>
             <a:r>
-              <a:rPr lang="en-US" dirty="0" err="1"/>
+              <a:rPr lang="en-US" dirty="0" err="1">
+                <a:latin typeface="Consolas" panose="020B0609020204030204" pitchFamily="49" charset="0"/>
+              </a:rPr>
               <a:t>controllers,dc</a:t>
             </a:r>
             <a:r>
-              <a:rPr lang="en-US" dirty="0"/>
+              <a:rPr lang="en-US" dirty="0">
+                <a:latin typeface="Consolas" panose="020B0609020204030204" pitchFamily="49" charset="0"/>
+              </a:rPr>
               <a:t>=</a:t>
             </a:r>
             <a:r>
-              <a:rPr lang="en-US" dirty="0" err="1"/>
+              <a:rPr lang="en-US" dirty="0" err="1">
+                <a:latin typeface="Consolas" panose="020B0609020204030204" pitchFamily="49" charset="0"/>
+              </a:rPr>
               <a:t>company,dc</a:t>
             </a:r>
             <a:r>
-              <a:rPr lang="en-US" dirty="0"/>
+              <a:rPr lang="en-US" dirty="0">
+                <a:latin typeface="Consolas" panose="020B0609020204030204" pitchFamily="49" charset="0"/>
+              </a:rPr>
               <a:t>=</a:t>
             </a:r>
             <a:r>
-              <a:rPr lang="en-US" dirty="0" err="1"/>
+              <a:rPr lang="en-US" dirty="0" err="1">
+                <a:latin typeface="Consolas" panose="020B0609020204030204" pitchFamily="49" charset="0"/>
+              </a:rPr>
               <a:t>pri</a:t>
             </a:r>
             <a:r>
-              <a:rPr lang="en-US" dirty="0"/>
+              <a:rPr lang="en-US" dirty="0">
+                <a:latin typeface="Consolas" panose="020B0609020204030204" pitchFamily="49" charset="0"/>
+              </a:rPr>
               <a:t>" | Select-Object </a:t>
             </a:r>
             <a:r>
-              <a:rPr lang="en-US" b="1" dirty="0"/>
+              <a:rPr lang="en-US" b="1" dirty="0">
+                <a:latin typeface="Consolas" panose="020B0609020204030204" pitchFamily="49" charset="0"/>
+              </a:rPr>
               <a:t>-expand </a:t>
             </a:r>
             <a:r>
-              <a:rPr lang="en-US" dirty="0"/>
+              <a:rPr lang="en-US" dirty="0">
+                <a:latin typeface="Consolas" panose="020B0609020204030204" pitchFamily="49" charset="0"/>
+              </a:rPr>
               <a:t>name) </a:t>
             </a:r>
-            <a:endParaRPr lang="en-US" b="1" dirty="0"/>
+            <a:endParaRPr lang="en-US" b="1" dirty="0">
+              <a:latin typeface="Consolas" panose="020B0609020204030204" pitchFamily="49" charset="0"/>
+            </a:endParaRPr>
           </a:p>
           <a:p>
             <a:endParaRPr lang="en-US" dirty="0"/>

--- a/Powerpoint/Module05-CommandsThatUsePipline.pptx
+++ b/Powerpoint/Module05-CommandsThatUsePipline.pptx
@@ -2891,7 +2891,7 @@
           <a:p>
             <a:r>
               <a:rPr lang="en-US" dirty="0"/>
-              <a:t>Spatting</a:t>
+              <a:t>Splatting</a:t>
             </a:r>
           </a:p>
         </p:txBody>
